--- a/设计模式3.pptx
+++ b/设计模式3.pptx
@@ -9,7 +9,8 @@
     <p:sldId id="261" r:id="rId3"/>
     <p:sldId id="268" r:id="rId4"/>
     <p:sldId id="267" r:id="rId5"/>
-    <p:sldId id="266" r:id="rId6"/>
+    <p:sldId id="269" r:id="rId6"/>
+    <p:sldId id="266" r:id="rId7"/>
   </p:sldIdLst>
   <p:sldSz cx="12192000" cy="6858000"/>
   <p:notesSz cx="6858000" cy="9144000"/>
@@ -247,7 +248,7 @@
           <a:p>
             <a:fld id="{06028ED6-4E55-4A54-B87A-A615BAC9E3BC}" type="datetimeFigureOut">
               <a:rPr lang="zh-CN" altLang="en-US" smtClean="0"/>
-              <a:t>2019/2/14</a:t>
+              <a:t>2019/2/26</a:t>
             </a:fld>
             <a:endParaRPr lang="zh-CN" altLang="en-US"/>
           </a:p>
@@ -417,7 +418,7 @@
           <a:p>
             <a:fld id="{06028ED6-4E55-4A54-B87A-A615BAC9E3BC}" type="datetimeFigureOut">
               <a:rPr lang="zh-CN" altLang="en-US" smtClean="0"/>
-              <a:t>2019/2/14</a:t>
+              <a:t>2019/2/26</a:t>
             </a:fld>
             <a:endParaRPr lang="zh-CN" altLang="en-US"/>
           </a:p>
@@ -597,7 +598,7 @@
           <a:p>
             <a:fld id="{06028ED6-4E55-4A54-B87A-A615BAC9E3BC}" type="datetimeFigureOut">
               <a:rPr lang="zh-CN" altLang="en-US" smtClean="0"/>
-              <a:t>2019/2/14</a:t>
+              <a:t>2019/2/26</a:t>
             </a:fld>
             <a:endParaRPr lang="zh-CN" altLang="en-US"/>
           </a:p>
@@ -767,7 +768,7 @@
           <a:p>
             <a:fld id="{06028ED6-4E55-4A54-B87A-A615BAC9E3BC}" type="datetimeFigureOut">
               <a:rPr lang="zh-CN" altLang="en-US" smtClean="0"/>
-              <a:t>2019/2/14</a:t>
+              <a:t>2019/2/26</a:t>
             </a:fld>
             <a:endParaRPr lang="zh-CN" altLang="en-US"/>
           </a:p>
@@ -1013,7 +1014,7 @@
           <a:p>
             <a:fld id="{06028ED6-4E55-4A54-B87A-A615BAC9E3BC}" type="datetimeFigureOut">
               <a:rPr lang="zh-CN" altLang="en-US" smtClean="0"/>
-              <a:t>2019/2/14</a:t>
+              <a:t>2019/2/26</a:t>
             </a:fld>
             <a:endParaRPr lang="zh-CN" altLang="en-US"/>
           </a:p>
@@ -1245,7 +1246,7 @@
           <a:p>
             <a:fld id="{06028ED6-4E55-4A54-B87A-A615BAC9E3BC}" type="datetimeFigureOut">
               <a:rPr lang="zh-CN" altLang="en-US" smtClean="0"/>
-              <a:t>2019/2/14</a:t>
+              <a:t>2019/2/26</a:t>
             </a:fld>
             <a:endParaRPr lang="zh-CN" altLang="en-US"/>
           </a:p>
@@ -1612,7 +1613,7 @@
           <a:p>
             <a:fld id="{06028ED6-4E55-4A54-B87A-A615BAC9E3BC}" type="datetimeFigureOut">
               <a:rPr lang="zh-CN" altLang="en-US" smtClean="0"/>
-              <a:t>2019/2/14</a:t>
+              <a:t>2019/2/26</a:t>
             </a:fld>
             <a:endParaRPr lang="zh-CN" altLang="en-US"/>
           </a:p>
@@ -1730,7 +1731,7 @@
           <a:p>
             <a:fld id="{06028ED6-4E55-4A54-B87A-A615BAC9E3BC}" type="datetimeFigureOut">
               <a:rPr lang="zh-CN" altLang="en-US" smtClean="0"/>
-              <a:t>2019/2/14</a:t>
+              <a:t>2019/2/26</a:t>
             </a:fld>
             <a:endParaRPr lang="zh-CN" altLang="en-US"/>
           </a:p>
@@ -1825,7 +1826,7 @@
           <a:p>
             <a:fld id="{06028ED6-4E55-4A54-B87A-A615BAC9E3BC}" type="datetimeFigureOut">
               <a:rPr lang="zh-CN" altLang="en-US" smtClean="0"/>
-              <a:t>2019/2/14</a:t>
+              <a:t>2019/2/26</a:t>
             </a:fld>
             <a:endParaRPr lang="zh-CN" altLang="en-US"/>
           </a:p>
@@ -2102,7 +2103,7 @@
           <a:p>
             <a:fld id="{06028ED6-4E55-4A54-B87A-A615BAC9E3BC}" type="datetimeFigureOut">
               <a:rPr lang="zh-CN" altLang="en-US" smtClean="0"/>
-              <a:t>2019/2/14</a:t>
+              <a:t>2019/2/26</a:t>
             </a:fld>
             <a:endParaRPr lang="zh-CN" altLang="en-US"/>
           </a:p>
@@ -2355,7 +2356,7 @@
           <a:p>
             <a:fld id="{06028ED6-4E55-4A54-B87A-A615BAC9E3BC}" type="datetimeFigureOut">
               <a:rPr lang="zh-CN" altLang="en-US" smtClean="0"/>
-              <a:t>2019/2/14</a:t>
+              <a:t>2019/2/26</a:t>
             </a:fld>
             <a:endParaRPr lang="zh-CN" altLang="en-US"/>
           </a:p>
@@ -2568,7 +2569,7 @@
           <a:p>
             <a:fld id="{06028ED6-4E55-4A54-B87A-A615BAC9E3BC}" type="datetimeFigureOut">
               <a:rPr lang="zh-CN" altLang="en-US" smtClean="0"/>
-              <a:t>2019/2/14</a:t>
+              <a:t>2019/2/26</a:t>
             </a:fld>
             <a:endParaRPr lang="zh-CN" altLang="en-US"/>
           </a:p>
@@ -3100,11 +3101,15 @@
           <a:p>
             <a:r>
               <a:rPr lang="zh-CN" altLang="en-US" dirty="0" smtClean="0"/>
-              <a:t>一</a:t>
+              <a:t>一、工厂方法</a:t>
             </a:r>
             <a:r>
               <a:rPr lang="zh-CN" altLang="en-US" dirty="0" smtClean="0"/>
-              <a:t>、工厂方法模式</a:t>
+              <a:t>模式</a:t>
+            </a:r>
+            <a:r>
+              <a:rPr lang="en-US" altLang="zh-CN" dirty="0" smtClean="0"/>
+              <a:t>Factory</a:t>
             </a:r>
             <a:endParaRPr lang="zh-CN" altLang="en-US" dirty="0"/>
           </a:p>
@@ -3122,30 +3127,42 @@
         </p:nvSpPr>
         <p:spPr/>
         <p:txBody>
-          <a:bodyPr/>
+          <a:bodyPr>
+            <a:normAutofit/>
+          </a:bodyPr>
           <a:lstStyle/>
           <a:p>
             <a:pPr marL="0" indent="0">
               <a:buNone/>
             </a:pPr>
             <a:r>
+              <a:rPr lang="zh-CN" altLang="en-US" dirty="0" smtClean="0"/>
+              <a:t>优点</a:t>
+            </a:r>
+            <a:r>
               <a:rPr lang="zh-CN" altLang="en-US" dirty="0"/>
-              <a:t>相对于简单工厂而言，对修改封闭了，符合开放封闭原则。但是带来了代价就是类比较多</a:t>
-            </a:r>
-            <a:r>
-              <a:rPr lang="en-US" altLang="zh-CN" dirty="0"/>
-              <a:t>(</a:t>
-            </a:r>
-            <a:r>
-              <a:rPr lang="zh-CN" altLang="en-US" b="1" dirty="0"/>
-              <a:t>工厂类太多了，找死你</a:t>
-            </a:r>
-            <a:r>
-              <a:rPr lang="en-US" altLang="zh-CN" dirty="0"/>
-              <a:t>)</a:t>
+              <a:t>：一个调用者想创建一个对象，只要知道其名称就可以了。扩展性高，如果想增加一个产品，只要扩展一个工厂类就可以了。屏蔽产品的具体实现，调用者只关心产品的接口</a:t>
+            </a:r>
+            <a:r>
+              <a:rPr lang="zh-CN" altLang="en-US" dirty="0" smtClean="0"/>
+              <a:t>。</a:t>
+            </a:r>
+            <a:endParaRPr lang="en-US" altLang="zh-CN" dirty="0" smtClean="0"/>
+          </a:p>
+          <a:p>
+            <a:pPr marL="0" indent="0">
+              <a:buNone/>
+            </a:pPr>
+            <a:r>
+              <a:rPr lang="zh-CN" altLang="en-US" dirty="0" smtClean="0"/>
+              <a:t>缺点</a:t>
             </a:r>
             <a:r>
               <a:rPr lang="zh-CN" altLang="en-US" dirty="0"/>
+              <a:t>：每增加一个产品，都需要增加一个具体类和对象实现工厂，似的系统中类的个数成倍增加，在一定程度上增加了系统的复杂度，同事也增加了系统具体类的依赖</a:t>
+            </a:r>
+            <a:r>
+              <a:rPr lang="zh-CN" altLang="en-US" dirty="0" smtClean="0"/>
               <a:t>。</a:t>
             </a:r>
             <a:endParaRPr lang="zh-CN" altLang="en-US" dirty="0"/>
@@ -3830,7 +3847,15 @@
             </a:r>
             <a:r>
               <a:rPr lang="zh-CN" altLang="en-US" dirty="0" smtClean="0"/>
-              <a:t>、单一职责原则</a:t>
+              <a:t>、原型</a:t>
+            </a:r>
+            <a:r>
+              <a:rPr lang="zh-CN" altLang="en-US" dirty="0" smtClean="0"/>
+              <a:t>模式</a:t>
+            </a:r>
+            <a:r>
+              <a:rPr lang="en-US" altLang="zh-CN" dirty="0"/>
+              <a:t>Prototype</a:t>
             </a:r>
             <a:endParaRPr lang="zh-CN" altLang="en-US" dirty="0"/>
           </a:p>
@@ -3879,6 +3904,96 @@
 </file>
 
 <file path=ppt/slides/slide5.xml><?xml version="1.0" encoding="utf-8"?>
+<p:sld xmlns:a="http://schemas.openxmlformats.org/drawingml/2006/main" xmlns:r="http://schemas.openxmlformats.org/officeDocument/2006/relationships" xmlns:p="http://schemas.openxmlformats.org/presentationml/2006/main">
+  <p:cSld>
+    <p:spTree>
+      <p:nvGrpSpPr>
+        <p:cNvPr id="1" name=""/>
+        <p:cNvGrpSpPr/>
+        <p:nvPr/>
+      </p:nvGrpSpPr>
+      <p:grpSpPr>
+        <a:xfrm>
+          <a:off x="0" y="0"/>
+          <a:ext cx="0" cy="0"/>
+          <a:chOff x="0" y="0"/>
+          <a:chExt cx="0" cy="0"/>
+        </a:xfrm>
+      </p:grpSpPr>
+      <p:sp>
+        <p:nvSpPr>
+          <p:cNvPr id="2" name="标题 1"/>
+          <p:cNvSpPr>
+            <a:spLocks noGrp="1"/>
+          </p:cNvSpPr>
+          <p:nvPr>
+            <p:ph type="title"/>
+          </p:nvPr>
+        </p:nvSpPr>
+        <p:spPr/>
+        <p:txBody>
+          <a:bodyPr/>
+          <a:lstStyle/>
+          <a:p>
+            <a:r>
+              <a:rPr lang="zh-CN" altLang="en-US" dirty="0"/>
+              <a:t>三</a:t>
+            </a:r>
+            <a:r>
+              <a:rPr lang="zh-CN" altLang="en-US" dirty="0" smtClean="0"/>
+              <a:t>、模板方法模式</a:t>
+            </a:r>
+            <a:r>
+              <a:rPr lang="en-US" altLang="zh-CN" dirty="0"/>
+              <a:t>Template</a:t>
+            </a:r>
+            <a:endParaRPr lang="zh-CN" altLang="en-US" dirty="0"/>
+          </a:p>
+        </p:txBody>
+      </p:sp>
+      <p:sp>
+        <p:nvSpPr>
+          <p:cNvPr id="3" name="内容占位符 2"/>
+          <p:cNvSpPr>
+            <a:spLocks noGrp="1"/>
+          </p:cNvSpPr>
+          <p:nvPr>
+            <p:ph idx="1"/>
+          </p:nvPr>
+        </p:nvSpPr>
+        <p:spPr/>
+        <p:txBody>
+          <a:bodyPr/>
+          <a:lstStyle/>
+          <a:p>
+            <a:pPr marL="0" indent="0">
+              <a:buNone/>
+            </a:pPr>
+            <a:endParaRPr lang="zh-CN" altLang="en-US" dirty="0"/>
+          </a:p>
+        </p:txBody>
+      </p:sp>
+    </p:spTree>
+    <p:extLst>
+      <p:ext uri="{BB962C8B-B14F-4D97-AF65-F5344CB8AC3E}">
+        <p14:creationId xmlns:p14="http://schemas.microsoft.com/office/powerpoint/2010/main" val="1230130403"/>
+      </p:ext>
+    </p:extLst>
+  </p:cSld>
+  <p:clrMapOvr>
+    <a:masterClrMapping/>
+  </p:clrMapOvr>
+  <p:timing>
+    <p:tnLst>
+      <p:par>
+        <p:cTn id="1" dur="indefinite" restart="never" nodeType="tmRoot"/>
+      </p:par>
+    </p:tnLst>
+  </p:timing>
+</p:sld>
+</file>
+
+<file path=ppt/slides/slide6.xml><?xml version="1.0" encoding="utf-8"?>
 <p:sld xmlns:a="http://schemas.openxmlformats.org/drawingml/2006/main" xmlns:r="http://schemas.openxmlformats.org/officeDocument/2006/relationships" xmlns:p="http://schemas.openxmlformats.org/presentationml/2006/main">
   <p:cSld>
     <p:spTree>

--- a/设计模式3.pptx
+++ b/设计模式3.pptx
@@ -9,8 +9,10 @@
     <p:sldId id="261" r:id="rId3"/>
     <p:sldId id="268" r:id="rId4"/>
     <p:sldId id="267" r:id="rId5"/>
-    <p:sldId id="269" r:id="rId6"/>
-    <p:sldId id="266" r:id="rId7"/>
+    <p:sldId id="270" r:id="rId6"/>
+    <p:sldId id="271" r:id="rId7"/>
+    <p:sldId id="269" r:id="rId8"/>
+    <p:sldId id="266" r:id="rId9"/>
   </p:sldIdLst>
   <p:sldSz cx="12192000" cy="6858000"/>
   <p:notesSz cx="6858000" cy="9144000"/>
@@ -248,7 +250,7 @@
           <a:p>
             <a:fld id="{06028ED6-4E55-4A54-B87A-A615BAC9E3BC}" type="datetimeFigureOut">
               <a:rPr lang="zh-CN" altLang="en-US" smtClean="0"/>
-              <a:t>2019/2/26</a:t>
+              <a:t>2019/3/13</a:t>
             </a:fld>
             <a:endParaRPr lang="zh-CN" altLang="en-US"/>
           </a:p>
@@ -418,7 +420,7 @@
           <a:p>
             <a:fld id="{06028ED6-4E55-4A54-B87A-A615BAC9E3BC}" type="datetimeFigureOut">
               <a:rPr lang="zh-CN" altLang="en-US" smtClean="0"/>
-              <a:t>2019/2/26</a:t>
+              <a:t>2019/3/13</a:t>
             </a:fld>
             <a:endParaRPr lang="zh-CN" altLang="en-US"/>
           </a:p>
@@ -598,7 +600,7 @@
           <a:p>
             <a:fld id="{06028ED6-4E55-4A54-B87A-A615BAC9E3BC}" type="datetimeFigureOut">
               <a:rPr lang="zh-CN" altLang="en-US" smtClean="0"/>
-              <a:t>2019/2/26</a:t>
+              <a:t>2019/3/13</a:t>
             </a:fld>
             <a:endParaRPr lang="zh-CN" altLang="en-US"/>
           </a:p>
@@ -768,7 +770,7 @@
           <a:p>
             <a:fld id="{06028ED6-4E55-4A54-B87A-A615BAC9E3BC}" type="datetimeFigureOut">
               <a:rPr lang="zh-CN" altLang="en-US" smtClean="0"/>
-              <a:t>2019/2/26</a:t>
+              <a:t>2019/3/13</a:t>
             </a:fld>
             <a:endParaRPr lang="zh-CN" altLang="en-US"/>
           </a:p>
@@ -1014,7 +1016,7 @@
           <a:p>
             <a:fld id="{06028ED6-4E55-4A54-B87A-A615BAC9E3BC}" type="datetimeFigureOut">
               <a:rPr lang="zh-CN" altLang="en-US" smtClean="0"/>
-              <a:t>2019/2/26</a:t>
+              <a:t>2019/3/13</a:t>
             </a:fld>
             <a:endParaRPr lang="zh-CN" altLang="en-US"/>
           </a:p>
@@ -1246,7 +1248,7 @@
           <a:p>
             <a:fld id="{06028ED6-4E55-4A54-B87A-A615BAC9E3BC}" type="datetimeFigureOut">
               <a:rPr lang="zh-CN" altLang="en-US" smtClean="0"/>
-              <a:t>2019/2/26</a:t>
+              <a:t>2019/3/13</a:t>
             </a:fld>
             <a:endParaRPr lang="zh-CN" altLang="en-US"/>
           </a:p>
@@ -1613,7 +1615,7 @@
           <a:p>
             <a:fld id="{06028ED6-4E55-4A54-B87A-A615BAC9E3BC}" type="datetimeFigureOut">
               <a:rPr lang="zh-CN" altLang="en-US" smtClean="0"/>
-              <a:t>2019/2/26</a:t>
+              <a:t>2019/3/13</a:t>
             </a:fld>
             <a:endParaRPr lang="zh-CN" altLang="en-US"/>
           </a:p>
@@ -1731,7 +1733,7 @@
           <a:p>
             <a:fld id="{06028ED6-4E55-4A54-B87A-A615BAC9E3BC}" type="datetimeFigureOut">
               <a:rPr lang="zh-CN" altLang="en-US" smtClean="0"/>
-              <a:t>2019/2/26</a:t>
+              <a:t>2019/3/13</a:t>
             </a:fld>
             <a:endParaRPr lang="zh-CN" altLang="en-US"/>
           </a:p>
@@ -1826,7 +1828,7 @@
           <a:p>
             <a:fld id="{06028ED6-4E55-4A54-B87A-A615BAC9E3BC}" type="datetimeFigureOut">
               <a:rPr lang="zh-CN" altLang="en-US" smtClean="0"/>
-              <a:t>2019/2/26</a:t>
+              <a:t>2019/3/13</a:t>
             </a:fld>
             <a:endParaRPr lang="zh-CN" altLang="en-US"/>
           </a:p>
@@ -2103,7 +2105,7 @@
           <a:p>
             <a:fld id="{06028ED6-4E55-4A54-B87A-A615BAC9E3BC}" type="datetimeFigureOut">
               <a:rPr lang="zh-CN" altLang="en-US" smtClean="0"/>
-              <a:t>2019/2/26</a:t>
+              <a:t>2019/3/13</a:t>
             </a:fld>
             <a:endParaRPr lang="zh-CN" altLang="en-US"/>
           </a:p>
@@ -2356,7 +2358,7 @@
           <a:p>
             <a:fld id="{06028ED6-4E55-4A54-B87A-A615BAC9E3BC}" type="datetimeFigureOut">
               <a:rPr lang="zh-CN" altLang="en-US" smtClean="0"/>
-              <a:t>2019/2/26</a:t>
+              <a:t>2019/3/13</a:t>
             </a:fld>
             <a:endParaRPr lang="zh-CN" altLang="en-US"/>
           </a:p>
@@ -2569,7 +2571,7 @@
           <a:p>
             <a:fld id="{06028ED6-4E55-4A54-B87A-A615BAC9E3BC}" type="datetimeFigureOut">
               <a:rPr lang="zh-CN" altLang="en-US" smtClean="0"/>
-              <a:t>2019/2/26</a:t>
+              <a:t>2019/3/13</a:t>
             </a:fld>
             <a:endParaRPr lang="zh-CN" altLang="en-US"/>
           </a:p>
@@ -3101,11 +3103,7 @@
           <a:p>
             <a:r>
               <a:rPr lang="zh-CN" altLang="en-US" dirty="0" smtClean="0"/>
-              <a:t>一、工厂方法</a:t>
-            </a:r>
-            <a:r>
-              <a:rPr lang="zh-CN" altLang="en-US" dirty="0" smtClean="0"/>
-              <a:t>模式</a:t>
+              <a:t>一、工厂方法模式</a:t>
             </a:r>
             <a:r>
               <a:rPr lang="en-US" altLang="zh-CN" dirty="0" smtClean="0"/>
@@ -3842,43 +3840,79 @@
           <a:lstStyle/>
           <a:p>
             <a:r>
+              <a:rPr lang="zh-CN" altLang="en-US" dirty="0" smtClean="0"/>
+              <a:t>二、原型模式</a:t>
+            </a:r>
+            <a:r>
+              <a:rPr lang="en-US" altLang="zh-CN" dirty="0" smtClean="0"/>
+              <a:t>Prototype</a:t>
+            </a:r>
+            <a:endParaRPr lang="zh-CN" altLang="en-US" dirty="0"/>
+          </a:p>
+        </p:txBody>
+      </p:sp>
+      <p:sp>
+        <p:nvSpPr>
+          <p:cNvPr id="3" name="内容占位符 2"/>
+          <p:cNvSpPr>
+            <a:spLocks noGrp="1"/>
+          </p:cNvSpPr>
+          <p:nvPr>
+            <p:ph idx="1"/>
+          </p:nvPr>
+        </p:nvSpPr>
+        <p:spPr/>
+        <p:txBody>
+          <a:bodyPr/>
+          <a:lstStyle/>
+          <a:p>
+            <a:pPr marL="0" indent="0">
+              <a:buNone/>
+            </a:pPr>
+            <a:r>
+              <a:rPr lang="zh-CN" altLang="en-US" dirty="0" smtClean="0"/>
+              <a:t>用原型实例制定创建对象的种类，并且通过拷贝这些原型创建新的对象。</a:t>
+            </a:r>
+            <a:endParaRPr lang="en-US" altLang="zh-CN" dirty="0" smtClean="0"/>
+          </a:p>
+          <a:p>
+            <a:pPr marL="0" indent="0">
+              <a:buNone/>
+            </a:pPr>
+            <a:r>
               <a:rPr lang="zh-CN" altLang="en-US" dirty="0"/>
-              <a:t>二</a:t>
+              <a:t>从一</a:t>
             </a:r>
             <a:r>
               <a:rPr lang="zh-CN" altLang="en-US" dirty="0" smtClean="0"/>
-              <a:t>、原型</a:t>
-            </a:r>
+              <a:t>个对象再创建另一个可定制的对像，而不需要知道任何创建细节。</a:t>
+            </a:r>
+            <a:endParaRPr lang="en-US" altLang="zh-CN" dirty="0" smtClean="0"/>
+          </a:p>
+          <a:p>
+            <a:pPr marL="0" indent="0">
+              <a:buNone/>
+            </a:pPr>
+            <a:endParaRPr lang="en-US" altLang="zh-CN" dirty="0"/>
+          </a:p>
+          <a:p>
+            <a:pPr marL="0" indent="0">
+              <a:buNone/>
+            </a:pPr>
             <a:r>
               <a:rPr lang="zh-CN" altLang="en-US" dirty="0" smtClean="0"/>
-              <a:t>模式</a:t>
-            </a:r>
-            <a:r>
-              <a:rPr lang="en-US" altLang="zh-CN" dirty="0"/>
-              <a:t>Prototype</a:t>
-            </a:r>
-            <a:endParaRPr lang="zh-CN" altLang="en-US" dirty="0"/>
-          </a:p>
-        </p:txBody>
-      </p:sp>
-      <p:sp>
-        <p:nvSpPr>
-          <p:cNvPr id="3" name="内容占位符 2"/>
-          <p:cNvSpPr>
-            <a:spLocks noGrp="1"/>
-          </p:cNvSpPr>
-          <p:nvPr>
-            <p:ph idx="1"/>
-          </p:nvPr>
-        </p:nvSpPr>
-        <p:spPr/>
-        <p:txBody>
-          <a:bodyPr/>
-          <a:lstStyle/>
+              <a:t>浅拷贝：对新创建实例的成员变量逐个赋值</a:t>
+            </a:r>
+            <a:endParaRPr lang="en-US" altLang="zh-CN" dirty="0" smtClean="0"/>
+          </a:p>
           <a:p>
             <a:pPr marL="0" indent="0">
               <a:buNone/>
             </a:pPr>
+            <a:r>
+              <a:rPr lang="zh-CN" altLang="en-US" dirty="0" smtClean="0"/>
+              <a:t>深拷贝：不仅复制对象所有非引用成员变量，还要为引用类型成员变量创建新的实例，并且初始化为形式参数实例值</a:t>
+            </a:r>
             <a:endParaRPr lang="zh-CN" altLang="en-US" dirty="0"/>
           </a:p>
         </p:txBody>
@@ -3920,6 +3954,246 @@
           <a:chExt cx="0" cy="0"/>
         </a:xfrm>
       </p:grpSpPr>
+      <p:pic>
+        <p:nvPicPr>
+          <p:cNvPr id="5" name="内容占位符 4"/>
+          <p:cNvPicPr>
+            <a:picLocks noGrp="1" noChangeAspect="1"/>
+          </p:cNvPicPr>
+          <p:nvPr>
+            <p:ph idx="1"/>
+          </p:nvPr>
+        </p:nvPicPr>
+        <p:blipFill>
+          <a:blip r:embed="rId2">
+            <a:extLst>
+              <a:ext uri="{28A0092B-C50C-407E-A947-70E740481C1C}">
+                <a14:useLocalDpi xmlns:a14="http://schemas.microsoft.com/office/drawing/2010/main" val="0"/>
+              </a:ext>
+            </a:extLst>
+          </a:blip>
+          <a:stretch>
+            <a:fillRect/>
+          </a:stretch>
+        </p:blipFill>
+        <p:spPr>
+          <a:xfrm>
+            <a:off x="1734671" y="1455581"/>
+            <a:ext cx="9204393" cy="4272865"/>
+          </a:xfrm>
+        </p:spPr>
+      </p:pic>
+    </p:spTree>
+    <p:extLst>
+      <p:ext uri="{BB962C8B-B14F-4D97-AF65-F5344CB8AC3E}">
+        <p14:creationId xmlns:p14="http://schemas.microsoft.com/office/powerpoint/2010/main" val="3885346153"/>
+      </p:ext>
+    </p:extLst>
+  </p:cSld>
+  <p:clrMapOvr>
+    <a:masterClrMapping/>
+  </p:clrMapOvr>
+  <p:timing>
+    <p:tnLst>
+      <p:par>
+        <p:cTn id="1" dur="indefinite" restart="never" nodeType="tmRoot"/>
+      </p:par>
+    </p:tnLst>
+  </p:timing>
+</p:sld>
+</file>
+
+<file path=ppt/slides/slide6.xml><?xml version="1.0" encoding="utf-8"?>
+<p:sld xmlns:a="http://schemas.openxmlformats.org/drawingml/2006/main" xmlns:r="http://schemas.openxmlformats.org/officeDocument/2006/relationships" xmlns:p="http://schemas.openxmlformats.org/presentationml/2006/main">
+  <p:cSld>
+    <p:spTree>
+      <p:nvGrpSpPr>
+        <p:cNvPr id="1" name=""/>
+        <p:cNvGrpSpPr/>
+        <p:nvPr/>
+      </p:nvGrpSpPr>
+      <p:grpSpPr>
+        <a:xfrm>
+          <a:off x="0" y="0"/>
+          <a:ext cx="0" cy="0"/>
+          <a:chOff x="0" y="0"/>
+          <a:chExt cx="0" cy="0"/>
+        </a:xfrm>
+      </p:grpSpPr>
+      <p:sp>
+        <p:nvSpPr>
+          <p:cNvPr id="2" name="内容占位符 1"/>
+          <p:cNvSpPr>
+            <a:spLocks noGrp="1"/>
+          </p:cNvSpPr>
+          <p:nvPr>
+            <p:ph idx="1"/>
+          </p:nvPr>
+        </p:nvSpPr>
+        <p:spPr>
+          <a:xfrm>
+            <a:off x="847164" y="605118"/>
+            <a:ext cx="10506635" cy="5571845"/>
+          </a:xfrm>
+        </p:spPr>
+        <p:txBody>
+          <a:bodyPr>
+            <a:normAutofit/>
+          </a:bodyPr>
+          <a:lstStyle/>
+          <a:p>
+            <a:pPr marL="0" indent="0">
+              <a:buNone/>
+            </a:pPr>
+            <a:r>
+              <a:rPr lang="zh-CN" altLang="en-US" dirty="0" smtClean="0"/>
+              <a:t>优点：</a:t>
+            </a:r>
+            <a:endParaRPr lang="en-US" altLang="zh-CN" dirty="0" smtClean="0"/>
+          </a:p>
+          <a:p>
+            <a:pPr marL="0" indent="0">
+              <a:buNone/>
+            </a:pPr>
+            <a:r>
+              <a:rPr lang="en-US" altLang="zh-CN" dirty="0" smtClean="0"/>
+              <a:t>1</a:t>
+            </a:r>
+            <a:r>
+              <a:rPr lang="zh-CN" altLang="en-US" dirty="0" smtClean="0"/>
+              <a:t>、简化对象创建过程，提高效率</a:t>
+            </a:r>
+            <a:endParaRPr lang="en-US" altLang="zh-CN" dirty="0" smtClean="0"/>
+          </a:p>
+          <a:p>
+            <a:pPr marL="0" indent="0">
+              <a:buNone/>
+            </a:pPr>
+            <a:r>
+              <a:rPr lang="en-US" altLang="zh-CN" dirty="0" smtClean="0"/>
+              <a:t>2</a:t>
+            </a:r>
+            <a:r>
+              <a:rPr lang="zh-CN" altLang="en-US" dirty="0" smtClean="0"/>
+              <a:t>、可以使用深克隆保持对象状态</a:t>
+            </a:r>
+            <a:endParaRPr lang="en-US" altLang="zh-CN" dirty="0" smtClean="0"/>
+          </a:p>
+          <a:p>
+            <a:pPr marL="0" indent="0">
+              <a:buNone/>
+            </a:pPr>
+            <a:r>
+              <a:rPr lang="en-US" altLang="zh-CN" dirty="0" smtClean="0"/>
+              <a:t>3</a:t>
+            </a:r>
+            <a:r>
+              <a:rPr lang="zh-CN" altLang="en-US" dirty="0" smtClean="0"/>
+              <a:t>、提供了简化的创建结构</a:t>
+            </a:r>
+            <a:endParaRPr lang="en-US" altLang="zh-CN" dirty="0" smtClean="0"/>
+          </a:p>
+          <a:p>
+            <a:pPr marL="0" indent="0">
+              <a:buNone/>
+            </a:pPr>
+            <a:r>
+              <a:rPr lang="zh-CN" altLang="en-US" dirty="0" smtClean="0"/>
+              <a:t>缺点：</a:t>
+            </a:r>
+            <a:endParaRPr lang="en-US" altLang="zh-CN" dirty="0" smtClean="0"/>
+          </a:p>
+          <a:p>
+            <a:pPr marL="0" indent="0">
+              <a:buNone/>
+            </a:pPr>
+            <a:r>
+              <a:rPr lang="en-US" altLang="zh-CN" dirty="0" smtClean="0"/>
+              <a:t>1</a:t>
+            </a:r>
+            <a:r>
+              <a:rPr lang="zh-CN" altLang="en-US" dirty="0" smtClean="0"/>
+              <a:t>、深克隆比较复杂</a:t>
+            </a:r>
+            <a:endParaRPr lang="en-US" altLang="zh-CN" dirty="0" smtClean="0"/>
+          </a:p>
+          <a:p>
+            <a:pPr marL="0" indent="0">
+              <a:buNone/>
+            </a:pPr>
+            <a:r>
+              <a:rPr lang="en-US" altLang="zh-CN" dirty="0" smtClean="0"/>
+              <a:t>2</a:t>
+            </a:r>
+            <a:r>
+              <a:rPr lang="zh-CN" altLang="en-US" dirty="0" smtClean="0"/>
+              <a:t>、需要</a:t>
+            </a:r>
+            <a:r>
+              <a:rPr lang="zh-CN" altLang="en-US" dirty="0"/>
+              <a:t>为每一个类配备一个克隆方法，而且这个克隆方法需要对类的功能进行通盘</a:t>
+            </a:r>
+            <a:r>
+              <a:rPr lang="zh-CN" altLang="en-US" dirty="0" smtClean="0"/>
+              <a:t>考虑。</a:t>
+            </a:r>
+            <a:endParaRPr lang="en-US" altLang="zh-CN" dirty="0" smtClean="0"/>
+          </a:p>
+          <a:p>
+            <a:pPr marL="0" indent="0">
+              <a:buNone/>
+            </a:pPr>
+            <a:endParaRPr lang="en-US" altLang="zh-CN" dirty="0"/>
+          </a:p>
+          <a:p>
+            <a:pPr marL="0" indent="0">
+              <a:buNone/>
+            </a:pPr>
+            <a:r>
+              <a:rPr lang="zh-CN" altLang="en-US" dirty="0" smtClean="0"/>
+              <a:t>应用场景：创建过程比较复杂，初始化需要很多资源，而同一对象可能会供其他调用者同时调用。</a:t>
+            </a:r>
+            <a:endParaRPr lang="zh-CN" altLang="en-US" dirty="0"/>
+          </a:p>
+        </p:txBody>
+      </p:sp>
+    </p:spTree>
+    <p:extLst>
+      <p:ext uri="{BB962C8B-B14F-4D97-AF65-F5344CB8AC3E}">
+        <p14:creationId xmlns:p14="http://schemas.microsoft.com/office/powerpoint/2010/main" val="1405110092"/>
+      </p:ext>
+    </p:extLst>
+  </p:cSld>
+  <p:clrMapOvr>
+    <a:masterClrMapping/>
+  </p:clrMapOvr>
+  <p:timing>
+    <p:tnLst>
+      <p:par>
+        <p:cTn id="1" dur="indefinite" restart="never" nodeType="tmRoot"/>
+      </p:par>
+    </p:tnLst>
+  </p:timing>
+</p:sld>
+</file>
+
+<file path=ppt/slides/slide7.xml><?xml version="1.0" encoding="utf-8"?>
+<p:sld xmlns:a="http://schemas.openxmlformats.org/drawingml/2006/main" xmlns:r="http://schemas.openxmlformats.org/officeDocument/2006/relationships" xmlns:p="http://schemas.openxmlformats.org/presentationml/2006/main">
+  <p:cSld>
+    <p:spTree>
+      <p:nvGrpSpPr>
+        <p:cNvPr id="1" name=""/>
+        <p:cNvGrpSpPr/>
+        <p:nvPr/>
+      </p:nvGrpSpPr>
+      <p:grpSpPr>
+        <a:xfrm>
+          <a:off x="0" y="0"/>
+          <a:ext cx="0" cy="0"/>
+          <a:chOff x="0" y="0"/>
+          <a:chExt cx="0" cy="0"/>
+        </a:xfrm>
+      </p:grpSpPr>
       <p:sp>
         <p:nvSpPr>
           <p:cNvPr id="2" name="标题 1"/>
@@ -3993,7 +4267,7 @@
 </p:sld>
 </file>
 
-<file path=ppt/slides/slide6.xml><?xml version="1.0" encoding="utf-8"?>
+<file path=ppt/slides/slide8.xml><?xml version="1.0" encoding="utf-8"?>
 <p:sld xmlns:a="http://schemas.openxmlformats.org/drawingml/2006/main" xmlns:r="http://schemas.openxmlformats.org/officeDocument/2006/relationships" xmlns:p="http://schemas.openxmlformats.org/presentationml/2006/main">
   <p:cSld>
     <p:spTree>
